--- a/NUMPY_TUTORIAL_18_SLIDE.pptx
+++ b/NUMPY_TUTORIAL_18_SLIDE.pptx
@@ -5,12 +5,16 @@
     <p:sldMasterId id="2147483648" r:id="rId1"/>
   </p:sldMasterIdLst>
   <p:notesMasterIdLst>
-    <p:notesMasterId r:id="rId5"/>
+    <p:notesMasterId r:id="rId9"/>
   </p:notesMasterIdLst>
   <p:sldIdLst>
     <p:sldId id="261" r:id="rId2"/>
     <p:sldId id="263" r:id="rId3"/>
     <p:sldId id="264" r:id="rId4"/>
+    <p:sldId id="268" r:id="rId5"/>
+    <p:sldId id="265" r:id="rId6"/>
+    <p:sldId id="266" r:id="rId7"/>
+    <p:sldId id="267" r:id="rId8"/>
   </p:sldIdLst>
   <p:sldSz cx="12192000" cy="6858000"/>
   <p:notesSz cx="6858000" cy="9144000"/>
@@ -199,7 +203,7 @@
           <a:p>
             <a:fld id="{F1526CA4-33C1-AA4F-8A92-0EB9D0326E2C}" type="datetimeFigureOut">
               <a:rPr lang="de-DE" smtClean="0"/>
-              <a:t>30.05.20</a:t>
+              <a:t>31.05.20</a:t>
             </a:fld>
             <a:endParaRPr lang="de-DE"/>
           </a:p>
@@ -616,7 +620,7 @@
           <a:p>
             <a:fld id="{86A81C7E-A40D-3A49-91ED-33427EB082CC}" type="datetime1">
               <a:rPr lang="de-DE" smtClean="0"/>
-              <a:t>30.05.20</a:t>
+              <a:t>31.05.20</a:t>
             </a:fld>
             <a:endParaRPr lang="de-DE"/>
           </a:p>
@@ -819,7 +823,7 @@
           <a:p>
             <a:fld id="{289945F6-E082-4145-8B74-5D7AD452E4F6}" type="datetime1">
               <a:rPr lang="de-DE" smtClean="0"/>
-              <a:t>30.05.20</a:t>
+              <a:t>31.05.20</a:t>
             </a:fld>
             <a:endParaRPr lang="de-DE"/>
           </a:p>
@@ -1032,7 +1036,7 @@
           <a:p>
             <a:fld id="{EF249264-F3DF-834C-BB60-24F93AA74BA2}" type="datetime1">
               <a:rPr lang="de-DE" smtClean="0"/>
-              <a:t>30.05.20</a:t>
+              <a:t>31.05.20</a:t>
             </a:fld>
             <a:endParaRPr lang="de-DE"/>
           </a:p>
@@ -1235,7 +1239,7 @@
           <a:p>
             <a:fld id="{85A80B37-905A-A743-A91C-A605D6B805A7}" type="datetime1">
               <a:rPr lang="de-DE" smtClean="0"/>
-              <a:t>30.05.20</a:t>
+              <a:t>31.05.20</a:t>
             </a:fld>
             <a:endParaRPr lang="de-DE"/>
           </a:p>
@@ -1514,7 +1518,7 @@
           <a:p>
             <a:fld id="{BE3E1D74-D364-5449-A36A-C302575EB181}" type="datetime1">
               <a:rPr lang="de-DE" smtClean="0"/>
-              <a:t>30.05.20</a:t>
+              <a:t>31.05.20</a:t>
             </a:fld>
             <a:endParaRPr lang="de-DE"/>
           </a:p>
@@ -1785,7 +1789,7 @@
           <a:p>
             <a:fld id="{FF5D0593-6FDC-8140-BC70-C88AFB68A612}" type="datetime1">
               <a:rPr lang="de-DE" smtClean="0"/>
-              <a:t>30.05.20</a:t>
+              <a:t>31.05.20</a:t>
             </a:fld>
             <a:endParaRPr lang="de-DE"/>
           </a:p>
@@ -2203,7 +2207,7 @@
           <a:p>
             <a:fld id="{C08EB09B-F677-BF44-BF19-AD91DB0EB4DB}" type="datetime1">
               <a:rPr lang="de-DE" smtClean="0"/>
-              <a:t>30.05.20</a:t>
+              <a:t>31.05.20</a:t>
             </a:fld>
             <a:endParaRPr lang="de-DE"/>
           </a:p>
@@ -2348,7 +2352,7 @@
           <a:p>
             <a:fld id="{AEDDFA77-338F-BD4D-9307-315D5FA0B7EB}" type="datetime1">
               <a:rPr lang="de-DE" smtClean="0"/>
-              <a:t>30.05.20</a:t>
+              <a:t>31.05.20</a:t>
             </a:fld>
             <a:endParaRPr lang="de-DE"/>
           </a:p>
@@ -2464,7 +2468,7 @@
           <a:p>
             <a:fld id="{E830B389-21BF-4C40-9E4C-A52F9A301F14}" type="datetime1">
               <a:rPr lang="de-DE" smtClean="0"/>
-              <a:t>30.05.20</a:t>
+              <a:t>31.05.20</a:t>
             </a:fld>
             <a:endParaRPr lang="de-DE"/>
           </a:p>
@@ -2780,7 +2784,7 @@
           <a:p>
             <a:fld id="{A0030B4D-0DE4-CA4B-823E-7F9BB00E2B8E}" type="datetime1">
               <a:rPr lang="de-DE" smtClean="0"/>
-              <a:t>30.05.20</a:t>
+              <a:t>31.05.20</a:t>
             </a:fld>
             <a:endParaRPr lang="de-DE"/>
           </a:p>
@@ -3072,7 +3076,7 @@
           <a:p>
             <a:fld id="{6F55BEA8-987F-9540-A01F-D683CB078464}" type="datetime1">
               <a:rPr lang="de-DE" smtClean="0"/>
-              <a:t>30.05.20</a:t>
+              <a:t>31.05.20</a:t>
             </a:fld>
             <a:endParaRPr lang="de-DE"/>
           </a:p>
@@ -3326,7 +3330,7 @@
           <a:p>
             <a:fld id="{4FE77377-F83B-1D4C-966D-0FFA75F057E3}" type="datetime1">
               <a:rPr lang="de-DE" smtClean="0"/>
-              <a:t>30.05.20</a:t>
+              <a:t>31.05.20</a:t>
             </a:fld>
             <a:endParaRPr lang="de-DE"/>
           </a:p>
@@ -3968,7 +3972,7 @@
                   </a:schemeClr>
                 </a:solidFill>
               </a:rPr>
-              <a:t>Numpy tile function</a:t>
+              <a:t>Numpy amin &amp; amax Function</a:t>
             </a:r>
           </a:p>
           <a:p>
@@ -4094,7 +4098,7 @@
                   <a:spcPts val="600"/>
                 </a:spcAft>
               </a:pPr>
-              <a:t>30.05.20</a:t>
+              <a:t>31.05.20</a:t>
             </a:fld>
             <a:endParaRPr lang="de-DE">
               <a:highlight>
@@ -4356,16 +4360,21 @@
           <a:lstStyle/>
           <a:p>
             <a:r>
-              <a:rPr lang="en-US" kern="1200">
+              <a:rPr lang="en-US">
                 <a:solidFill>
                   <a:srgbClr val="FFFFFF"/>
                 </a:solidFill>
-                <a:latin typeface="+mj-lt"/>
-                <a:ea typeface="+mj-ea"/>
-                <a:cs typeface="+mj-cs"/>
               </a:rPr>
-              <a:t>What is tile function in numpy</a:t>
-            </a:r>
+              <a:t>What is amax function</a:t>
+            </a:r>
+            <a:endParaRPr lang="en-US" kern="1200">
+              <a:solidFill>
+                <a:srgbClr val="FFFFFF"/>
+              </a:solidFill>
+              <a:latin typeface="+mj-lt"/>
+              <a:ea typeface="+mj-ea"/>
+              <a:cs typeface="+mj-cs"/>
+            </a:endParaRPr>
           </a:p>
         </p:txBody>
       </p:sp>
@@ -4400,26 +4409,14 @@
             <a:pPr marL="0" indent="0">
               <a:buNone/>
             </a:pPr>
-            <a:endParaRPr lang="en-US" sz="2000">
-              <a:highlight>
-                <a:srgbClr val="FFFF00"/>
-              </a:highlight>
-            </a:endParaRPr>
-          </a:p>
-          <a:p>
-            <a:pPr marL="0" indent="0">
-              <a:buNone/>
-            </a:pPr>
-            <a:endParaRPr lang="en-US" sz="2000">
-              <a:highlight>
-                <a:srgbClr val="FFFF00"/>
-              </a:highlight>
-            </a:endParaRPr>
-          </a:p>
-          <a:p>
-            <a:pPr marL="0" indent="0">
-              <a:buNone/>
-            </a:pPr>
+            <a:r>
+              <a:rPr lang="en-GB">
+                <a:highlight>
+                  <a:srgbClr val="FFFF00"/>
+                </a:highlight>
+              </a:rPr>
+              <a:t>Return the maximum of an array or maximum along an axis.</a:t>
+            </a:r>
             <a:endParaRPr lang="en-US" sz="2000">
               <a:highlight>
                 <a:srgbClr val="FFFF00"/>
@@ -4474,7 +4471,7 @@
                   <a:spcPts val="600"/>
                 </a:spcAft>
               </a:pPr>
-              <a:t>5/30/20</a:t>
+              <a:t>5/31/20</a:t>
             </a:fld>
             <a:endParaRPr lang="en-US">
               <a:solidFill>
@@ -4593,72 +4590,6 @@
           </a:p>
         </p:txBody>
       </p:sp>
-      <p:sp>
-        <p:nvSpPr>
-          <p:cNvPr id="3" name="TextBox 2">
-            <a:extLst>
-              <a:ext uri="{FF2B5EF4-FFF2-40B4-BE49-F238E27FC236}">
-                <a16:creationId xmlns:a16="http://schemas.microsoft.com/office/drawing/2014/main" id="{5211FC95-C20E-9149-B455-272D7F3520C3}"/>
-              </a:ext>
-            </a:extLst>
-          </p:cNvPr>
-          <p:cNvSpPr txBox="1"/>
-          <p:nvPr/>
-        </p:nvSpPr>
-        <p:spPr>
-          <a:xfrm>
-            <a:off x="4393362" y="726831"/>
-            <a:ext cx="6593665" cy="369332"/>
-          </a:xfrm>
-          <a:prstGeom prst="rect">
-            <a:avLst/>
-          </a:prstGeom>
-          <a:noFill/>
-        </p:spPr>
-        <p:txBody>
-          <a:bodyPr wrap="none" rtlCol="0">
-            <a:spAutoFit/>
-          </a:bodyPr>
-          <a:lstStyle/>
-          <a:p>
-            <a:r>
-              <a:rPr lang="en-GB"/>
-              <a:t>Construct an array by repeating A the number of times given by reps</a:t>
-            </a:r>
-            <a:endParaRPr lang="en-DE"/>
-          </a:p>
-        </p:txBody>
-      </p:sp>
-      <p:pic>
-        <p:nvPicPr>
-          <p:cNvPr id="11" name="Picture 10" descr="A screenshot of a cell phone&#10;&#10;Description automatically generated">
-            <a:extLst>
-              <a:ext uri="{FF2B5EF4-FFF2-40B4-BE49-F238E27FC236}">
-                <a16:creationId xmlns:a16="http://schemas.microsoft.com/office/drawing/2014/main" id="{1DBE30F8-129D-DD44-AF7A-33DA28AFA5C0}"/>
-              </a:ext>
-            </a:extLst>
-          </p:cNvPr>
-          <p:cNvPicPr>
-            <a:picLocks noChangeAspect="1"/>
-          </p:cNvPicPr>
-          <p:nvPr/>
-        </p:nvPicPr>
-        <p:blipFill>
-          <a:blip r:embed="rId2"/>
-          <a:stretch>
-            <a:fillRect/>
-          </a:stretch>
-        </p:blipFill>
-        <p:spPr>
-          <a:xfrm>
-            <a:off x="5285405" y="1567256"/>
-            <a:ext cx="5892800" cy="4318000"/>
-          </a:xfrm>
-          <a:prstGeom prst="rect">
-            <a:avLst/>
-          </a:prstGeom>
-        </p:spPr>
-      </p:pic>
     </p:spTree>
     <p:extLst>
       <p:ext uri="{BB962C8B-B14F-4D97-AF65-F5344CB8AC3E}">
@@ -4807,8 +4738,8 @@
         </p:nvSpPr>
         <p:spPr>
           <a:xfrm>
-            <a:off x="386863" y="640080"/>
-            <a:ext cx="3353032" cy="5613236"/>
+            <a:off x="643467" y="640080"/>
+            <a:ext cx="3096427" cy="5613236"/>
           </a:xfrm>
           <a:prstGeom prst="ellipse">
             <a:avLst/>
@@ -4829,8 +4760,26 @@
                 <a:ea typeface="+mj-ea"/>
                 <a:cs typeface="+mj-cs"/>
               </a:rPr>
-              <a:t>Examples 1</a:t>
-            </a:r>
+              <a:t>Exercise 1</a:t>
+            </a:r>
+            <a:br>
+              <a:rPr lang="en-US" kern="1200">
+                <a:solidFill>
+                  <a:srgbClr val="FFFFFF"/>
+                </a:solidFill>
+                <a:latin typeface="+mj-lt"/>
+                <a:ea typeface="+mj-ea"/>
+                <a:cs typeface="+mj-cs"/>
+              </a:rPr>
+            </a:br>
+            <a:endParaRPr lang="en-US" kern="1200">
+              <a:solidFill>
+                <a:srgbClr val="FFFFFF"/>
+              </a:solidFill>
+              <a:latin typeface="+mj-lt"/>
+              <a:ea typeface="+mj-ea"/>
+              <a:cs typeface="+mj-cs"/>
+            </a:endParaRPr>
           </a:p>
         </p:txBody>
       </p:sp>
@@ -4939,7 +4888,7 @@
                   <a:spcPts val="600"/>
                 </a:spcAft>
               </a:pPr>
-              <a:t>5/30/20</a:t>
+              <a:t>5/31/20</a:t>
             </a:fld>
             <a:endParaRPr lang="en-US">
               <a:solidFill>
@@ -5058,44 +5007,12 @@
           </a:p>
         </p:txBody>
       </p:sp>
-      <p:sp>
-        <p:nvSpPr>
-          <p:cNvPr id="3" name="TextBox 2">
-            <a:extLst>
-              <a:ext uri="{FF2B5EF4-FFF2-40B4-BE49-F238E27FC236}">
-                <a16:creationId xmlns:a16="http://schemas.microsoft.com/office/drawing/2014/main" id="{861FF8A8-A9DB-7B47-B3D5-571D2B58A3F9}"/>
-              </a:ext>
-            </a:extLst>
-          </p:cNvPr>
-          <p:cNvSpPr txBox="1"/>
-          <p:nvPr/>
-        </p:nvSpPr>
-        <p:spPr>
-          <a:xfrm>
-            <a:off x="6166338" y="2274277"/>
-            <a:ext cx="184731" cy="369332"/>
-          </a:xfrm>
-          <a:prstGeom prst="rect">
-            <a:avLst/>
-          </a:prstGeom>
-          <a:noFill/>
-        </p:spPr>
-        <p:txBody>
-          <a:bodyPr wrap="none" rtlCol="0">
-            <a:spAutoFit/>
-          </a:bodyPr>
-          <a:lstStyle/>
-          <a:p>
-            <a:endParaRPr lang="en-DE"/>
-          </a:p>
-        </p:txBody>
-      </p:sp>
       <p:pic>
         <p:nvPicPr>
-          <p:cNvPr id="9" name="Picture 8" descr="A screenshot of a cell phone&#10;&#10;Description automatically generated">
-            <a:extLst>
-              <a:ext uri="{FF2B5EF4-FFF2-40B4-BE49-F238E27FC236}">
-                <a16:creationId xmlns:a16="http://schemas.microsoft.com/office/drawing/2014/main" id="{0E023288-BB1B-774F-8C3A-FECE9B39C402}"/>
+          <p:cNvPr id="8" name="Picture 7" descr="A screenshot of a cell phone&#10;&#10;Description automatically generated">
+            <a:extLst>
+              <a:ext uri="{FF2B5EF4-FFF2-40B4-BE49-F238E27FC236}">
+                <a16:creationId xmlns:a16="http://schemas.microsoft.com/office/drawing/2014/main" id="{EDD719E6-B1B3-2D4E-B869-CC19AB036864}"/>
               </a:ext>
             </a:extLst>
           </p:cNvPr>
@@ -5112,8 +5029,8 @@
         </p:blipFill>
         <p:spPr>
           <a:xfrm>
-            <a:off x="4286737" y="919398"/>
-            <a:ext cx="7518400" cy="5054600"/>
+            <a:off x="5092700" y="1882524"/>
+            <a:ext cx="6261100" cy="2514600"/>
           </a:xfrm>
           <a:prstGeom prst="rect">
             <a:avLst/>
@@ -5124,6 +5041,1779 @@
     <p:extLst>
       <p:ext uri="{BB962C8B-B14F-4D97-AF65-F5344CB8AC3E}">
         <p14:creationId xmlns:p14="http://schemas.microsoft.com/office/powerpoint/2010/main" val="1186925219"/>
+      </p:ext>
+    </p:extLst>
+  </p:cSld>
+  <p:clrMapOvr>
+    <a:masterClrMapping/>
+  </p:clrMapOvr>
+</p:sld>
+</file>
+
+<file path=ppt/slides/slide4.xml><?xml version="1.0" encoding="utf-8"?>
+<p:sld xmlns:a="http://schemas.openxmlformats.org/drawingml/2006/main" xmlns:r="http://schemas.openxmlformats.org/officeDocument/2006/relationships" xmlns:p="http://schemas.openxmlformats.org/presentationml/2006/main">
+  <p:cSld>
+    <p:bg>
+      <p:bgPr>
+        <a:solidFill>
+          <a:schemeClr val="bg1"/>
+        </a:solidFill>
+        <a:effectLst/>
+      </p:bgPr>
+    </p:bg>
+    <p:spTree>
+      <p:nvGrpSpPr>
+        <p:cNvPr id="1" name=""/>
+        <p:cNvGrpSpPr/>
+        <p:nvPr/>
+      </p:nvGrpSpPr>
+      <p:grpSpPr>
+        <a:xfrm>
+          <a:off x="0" y="0"/>
+          <a:ext cx="0" cy="0"/>
+          <a:chOff x="0" y="0"/>
+          <a:chExt cx="0" cy="0"/>
+        </a:xfrm>
+      </p:grpSpPr>
+      <p:sp>
+        <p:nvSpPr>
+          <p:cNvPr id="30" name="Rectangle 29">
+            <a:extLst>
+              <a:ext uri="{FF2B5EF4-FFF2-40B4-BE49-F238E27FC236}">
+                <a16:creationId xmlns:a16="http://schemas.microsoft.com/office/drawing/2014/main" id="{81AEB8A9-B768-4E30-BA55-D919E6687343}"/>
+              </a:ext>
+              <a:ext uri="{C183D7F6-B498-43B3-948B-1728B52AA6E4}">
+                <adec:decorative xmlns:adec="http://schemas.microsoft.com/office/drawing/2017/decorative" val="1"/>
+              </a:ext>
+            </a:extLst>
+          </p:cNvPr>
+          <p:cNvSpPr>
+            <a:spLocks noGrp="1" noRot="1" noChangeAspect="1" noMove="1" noResize="1" noEditPoints="1" noAdjustHandles="1" noChangeArrowheads="1" noChangeShapeType="1" noTextEdit="1"/>
+          </p:cNvSpPr>
+          <p:nvPr>
+            <p:extLst>
+              <p:ext uri="{386F3935-93C4-4BCD-93E2-E3B085C9AB24}">
+                <p16:designElem xmlns:p16="http://schemas.microsoft.com/office/powerpoint/2015/main" val="1"/>
+              </p:ext>
+            </p:extLst>
+          </p:nvPr>
+        </p:nvSpPr>
+        <p:spPr>
+          <a:xfrm>
+            <a:off x="-10001" y="-2"/>
+            <a:ext cx="4069936" cy="6858002"/>
+          </a:xfrm>
+          <a:prstGeom prst="rect">
+            <a:avLst/>
+          </a:prstGeom>
+          <a:solidFill>
+            <a:schemeClr val="accent1"/>
+          </a:solidFill>
+          <a:ln>
+            <a:noFill/>
+          </a:ln>
+        </p:spPr>
+        <p:style>
+          <a:lnRef idx="2">
+            <a:schemeClr val="accent1">
+              <a:shade val="50000"/>
+            </a:schemeClr>
+          </a:lnRef>
+          <a:fillRef idx="1">
+            <a:schemeClr val="accent1"/>
+          </a:fillRef>
+          <a:effectRef idx="0">
+            <a:schemeClr val="accent1"/>
+          </a:effectRef>
+          <a:fontRef idx="minor">
+            <a:schemeClr val="lt1"/>
+          </a:fontRef>
+        </p:style>
+        <p:txBody>
+          <a:bodyPr rtlCol="0" anchor="ctr"/>
+          <a:lstStyle/>
+          <a:p>
+            <a:pPr marL="0" marR="0" lvl="0" indent="0" algn="ctr" defTabSz="914400" rtl="0" eaLnBrk="1" fontAlgn="auto" latinLnBrk="0" hangingPunct="1">
+              <a:lnSpc>
+                <a:spcPct val="100000"/>
+              </a:lnSpc>
+              <a:spcBef>
+                <a:spcPts val="0"/>
+              </a:spcBef>
+              <a:spcAft>
+                <a:spcPts val="0"/>
+              </a:spcAft>
+              <a:buClrTx/>
+              <a:buSzTx/>
+              <a:buFontTx/>
+              <a:buNone/>
+              <a:tabLst/>
+              <a:defRPr/>
+            </a:pPr>
+            <a:endParaRPr kumimoji="0" lang="en-US" sz="1800" b="0" i="0" u="none" strike="noStrike" kern="1200" cap="none" spc="0" normalizeH="0" baseline="0" noProof="0">
+              <a:ln>
+                <a:noFill/>
+              </a:ln>
+              <a:solidFill>
+                <a:prstClr val="white"/>
+              </a:solidFill>
+              <a:effectLst/>
+              <a:uLnTx/>
+              <a:uFillTx/>
+              <a:latin typeface="Calibri" panose="020F0502020204030204"/>
+              <a:ea typeface="+mn-ea"/>
+              <a:cs typeface="+mn-cs"/>
+            </a:endParaRPr>
+          </a:p>
+        </p:txBody>
+      </p:sp>
+      <p:sp>
+        <p:nvSpPr>
+          <p:cNvPr id="2" name="Title 1">
+            <a:extLst>
+              <a:ext uri="{FF2B5EF4-FFF2-40B4-BE49-F238E27FC236}">
+                <a16:creationId xmlns:a16="http://schemas.microsoft.com/office/drawing/2014/main" id="{E1A02F0D-A23B-0E40-A788-AE71D66D943E}"/>
+              </a:ext>
+            </a:extLst>
+          </p:cNvPr>
+          <p:cNvSpPr>
+            <a:spLocks noGrp="1"/>
+          </p:cNvSpPr>
+          <p:nvPr>
+            <p:ph type="title"/>
+          </p:nvPr>
+        </p:nvSpPr>
+        <p:spPr>
+          <a:xfrm>
+            <a:off x="643467" y="640080"/>
+            <a:ext cx="3096427" cy="5613236"/>
+          </a:xfrm>
+          <a:prstGeom prst="ellipse">
+            <a:avLst/>
+          </a:prstGeom>
+        </p:spPr>
+        <p:txBody>
+          <a:bodyPr vert="horz" lIns="91440" tIns="45720" rIns="91440" bIns="45720" rtlCol="0" anchor="ctr">
+            <a:normAutofit/>
+          </a:bodyPr>
+          <a:lstStyle/>
+          <a:p>
+            <a:r>
+              <a:rPr lang="en-US" kern="1200">
+                <a:solidFill>
+                  <a:srgbClr val="FFFFFF"/>
+                </a:solidFill>
+                <a:latin typeface="+mj-lt"/>
+                <a:ea typeface="+mj-ea"/>
+                <a:cs typeface="+mj-cs"/>
+              </a:rPr>
+              <a:t>Exercise 2</a:t>
+            </a:r>
+            <a:br>
+              <a:rPr lang="en-US" kern="1200">
+                <a:solidFill>
+                  <a:srgbClr val="FFFFFF"/>
+                </a:solidFill>
+                <a:latin typeface="+mj-lt"/>
+                <a:ea typeface="+mj-ea"/>
+                <a:cs typeface="+mj-cs"/>
+              </a:rPr>
+            </a:br>
+            <a:endParaRPr lang="en-US" kern="1200">
+              <a:solidFill>
+                <a:srgbClr val="FFFFFF"/>
+              </a:solidFill>
+              <a:latin typeface="+mj-lt"/>
+              <a:ea typeface="+mj-ea"/>
+              <a:cs typeface="+mj-cs"/>
+            </a:endParaRPr>
+          </a:p>
+        </p:txBody>
+      </p:sp>
+      <p:sp>
+        <p:nvSpPr>
+          <p:cNvPr id="10" name="Content Placeholder 9">
+            <a:extLst>
+              <a:ext uri="{FF2B5EF4-FFF2-40B4-BE49-F238E27FC236}">
+                <a16:creationId xmlns:a16="http://schemas.microsoft.com/office/drawing/2014/main" id="{95BCFDFF-95BC-D747-9D71-B3F3A6B23819}"/>
+              </a:ext>
+            </a:extLst>
+          </p:cNvPr>
+          <p:cNvSpPr>
+            <a:spLocks noGrp="1"/>
+          </p:cNvSpPr>
+          <p:nvPr>
+            <p:ph idx="1"/>
+          </p:nvPr>
+        </p:nvSpPr>
+        <p:spPr>
+          <a:xfrm>
+            <a:off x="4699818" y="640082"/>
+            <a:ext cx="6848715" cy="2484884"/>
+          </a:xfrm>
+        </p:spPr>
+        <p:txBody>
+          <a:bodyPr anchor="ctr">
+            <a:normAutofit/>
+          </a:bodyPr>
+          <a:lstStyle/>
+          <a:p>
+            <a:pPr marL="0" indent="0">
+              <a:buNone/>
+            </a:pPr>
+            <a:endParaRPr lang="en-US" sz="2000">
+              <a:highlight>
+                <a:srgbClr val="FFFF00"/>
+              </a:highlight>
+            </a:endParaRPr>
+          </a:p>
+          <a:p>
+            <a:pPr marL="0" indent="0">
+              <a:buNone/>
+            </a:pPr>
+            <a:endParaRPr lang="en-US" sz="2000">
+              <a:highlight>
+                <a:srgbClr val="FFFF00"/>
+              </a:highlight>
+            </a:endParaRPr>
+          </a:p>
+          <a:p>
+            <a:pPr marL="0" indent="0">
+              <a:buNone/>
+            </a:pPr>
+            <a:endParaRPr lang="en-US" sz="2000">
+              <a:highlight>
+                <a:srgbClr val="FFFF00"/>
+              </a:highlight>
+            </a:endParaRPr>
+          </a:p>
+        </p:txBody>
+      </p:sp>
+      <p:sp>
+        <p:nvSpPr>
+          <p:cNvPr id="4" name="Date Placeholder 3">
+            <a:extLst>
+              <a:ext uri="{FF2B5EF4-FFF2-40B4-BE49-F238E27FC236}">
+                <a16:creationId xmlns:a16="http://schemas.microsoft.com/office/drawing/2014/main" id="{E0B8CDB3-DF52-BD40-835E-53C2C836C174}"/>
+              </a:ext>
+            </a:extLst>
+          </p:cNvPr>
+          <p:cNvSpPr>
+            <a:spLocks noGrp="1"/>
+          </p:cNvSpPr>
+          <p:nvPr>
+            <p:ph type="dt" sz="half" idx="10"/>
+          </p:nvPr>
+        </p:nvSpPr>
+        <p:spPr>
+          <a:xfrm>
+            <a:off x="643467" y="6356350"/>
+            <a:ext cx="2937933" cy="365125"/>
+          </a:xfrm>
+        </p:spPr>
+        <p:txBody>
+          <a:bodyPr vert="horz" lIns="91440" tIns="45720" rIns="91440" bIns="45720" rtlCol="0">
+            <a:normAutofit/>
+          </a:bodyPr>
+          <a:lstStyle/>
+          <a:p>
+            <a:pPr>
+              <a:spcAft>
+                <a:spcPts val="600"/>
+              </a:spcAft>
+            </a:pPr>
+            <a:fld id="{85A80B37-905A-A743-A91C-A605D6B805A7}" type="datetime1">
+              <a:rPr lang="en-US">
+                <a:solidFill>
+                  <a:srgbClr val="FFFFFF">
+                    <a:alpha val="80000"/>
+                  </a:srgbClr>
+                </a:solidFill>
+              </a:rPr>
+              <a:pPr>
+                <a:spcAft>
+                  <a:spcPts val="600"/>
+                </a:spcAft>
+              </a:pPr>
+              <a:t>5/31/20</a:t>
+            </a:fld>
+            <a:endParaRPr lang="en-US">
+              <a:solidFill>
+                <a:srgbClr val="FFFFFF">
+                  <a:alpha val="80000"/>
+                </a:srgbClr>
+              </a:solidFill>
+            </a:endParaRPr>
+          </a:p>
+        </p:txBody>
+      </p:sp>
+      <p:sp>
+        <p:nvSpPr>
+          <p:cNvPr id="5" name="Footer Placeholder 4">
+            <a:extLst>
+              <a:ext uri="{FF2B5EF4-FFF2-40B4-BE49-F238E27FC236}">
+                <a16:creationId xmlns:a16="http://schemas.microsoft.com/office/drawing/2014/main" id="{AAA79E73-7D28-9B47-B2DD-090D9A3943A1}"/>
+              </a:ext>
+            </a:extLst>
+          </p:cNvPr>
+          <p:cNvSpPr>
+            <a:spLocks noGrp="1"/>
+          </p:cNvSpPr>
+          <p:nvPr>
+            <p:ph type="ftr" sz="quarter" idx="11"/>
+          </p:nvPr>
+        </p:nvSpPr>
+        <p:spPr>
+          <a:xfrm>
+            <a:off x="4654294" y="6356350"/>
+            <a:ext cx="5719488" cy="365125"/>
+          </a:xfrm>
+        </p:spPr>
+        <p:txBody>
+          <a:bodyPr vert="horz" lIns="91440" tIns="45720" rIns="91440" bIns="45720" rtlCol="0">
+            <a:normAutofit/>
+          </a:bodyPr>
+          <a:lstStyle/>
+          <a:p>
+            <a:pPr algn="l">
+              <a:spcAft>
+                <a:spcPts val="600"/>
+              </a:spcAft>
+            </a:pPr>
+            <a:r>
+              <a:rPr lang="en-US" kern="1200">
+                <a:solidFill>
+                  <a:prstClr val="black">
+                    <a:tint val="75000"/>
+                  </a:prstClr>
+                </a:solidFill>
+                <a:latin typeface="+mn-lt"/>
+                <a:ea typeface="+mn-ea"/>
+                <a:cs typeface="+mn-cs"/>
+              </a:rPr>
+              <a:t>TOTAL TECHNOLOGY </a:t>
+            </a:r>
+          </a:p>
+        </p:txBody>
+      </p:sp>
+      <p:sp>
+        <p:nvSpPr>
+          <p:cNvPr id="6" name="Slide Number Placeholder 5">
+            <a:extLst>
+              <a:ext uri="{FF2B5EF4-FFF2-40B4-BE49-F238E27FC236}">
+                <a16:creationId xmlns:a16="http://schemas.microsoft.com/office/drawing/2014/main" id="{8B83974F-3AC1-E441-93ED-47920D256F14}"/>
+              </a:ext>
+            </a:extLst>
+          </p:cNvPr>
+          <p:cNvSpPr>
+            <a:spLocks noGrp="1"/>
+          </p:cNvSpPr>
+          <p:nvPr>
+            <p:ph type="sldNum" sz="quarter" idx="12"/>
+          </p:nvPr>
+        </p:nvSpPr>
+        <p:spPr>
+          <a:xfrm>
+            <a:off x="10534650" y="6356350"/>
+            <a:ext cx="819150" cy="365125"/>
+          </a:xfrm>
+        </p:spPr>
+        <p:txBody>
+          <a:bodyPr vert="horz" lIns="91440" tIns="45720" rIns="91440" bIns="45720" rtlCol="0">
+            <a:normAutofit/>
+          </a:bodyPr>
+          <a:lstStyle/>
+          <a:p>
+            <a:pPr>
+              <a:spcAft>
+                <a:spcPts val="600"/>
+              </a:spcAft>
+            </a:pPr>
+            <a:fld id="{3276C40E-97DB-2248-A55E-B7EA991DACFB}" type="slidenum">
+              <a:rPr lang="en-US">
+                <a:solidFill>
+                  <a:prstClr val="black">
+                    <a:tint val="75000"/>
+                  </a:prstClr>
+                </a:solidFill>
+              </a:rPr>
+              <a:pPr>
+                <a:spcAft>
+                  <a:spcPts val="600"/>
+                </a:spcAft>
+              </a:pPr>
+              <a:t>4</a:t>
+            </a:fld>
+            <a:endParaRPr lang="en-US">
+              <a:solidFill>
+                <a:prstClr val="black">
+                  <a:tint val="75000"/>
+                </a:prstClr>
+              </a:solidFill>
+            </a:endParaRPr>
+          </a:p>
+        </p:txBody>
+      </p:sp>
+      <p:pic>
+        <p:nvPicPr>
+          <p:cNvPr id="7" name="Picture 6" descr="A screenshot of a cell phone&#10;&#10;Description automatically generated">
+            <a:extLst>
+              <a:ext uri="{FF2B5EF4-FFF2-40B4-BE49-F238E27FC236}">
+                <a16:creationId xmlns:a16="http://schemas.microsoft.com/office/drawing/2014/main" id="{ED84D063-ADD4-BA41-B056-B442415BB6C2}"/>
+              </a:ext>
+            </a:extLst>
+          </p:cNvPr>
+          <p:cNvPicPr>
+            <a:picLocks noChangeAspect="1"/>
+          </p:cNvPicPr>
+          <p:nvPr/>
+        </p:nvPicPr>
+        <p:blipFill>
+          <a:blip r:embed="rId2"/>
+          <a:stretch>
+            <a:fillRect/>
+          </a:stretch>
+        </p:blipFill>
+        <p:spPr>
+          <a:xfrm>
+            <a:off x="4393362" y="716280"/>
+            <a:ext cx="6865699" cy="4107766"/>
+          </a:xfrm>
+          <a:prstGeom prst="rect">
+            <a:avLst/>
+          </a:prstGeom>
+        </p:spPr>
+      </p:pic>
+    </p:spTree>
+    <p:extLst>
+      <p:ext uri="{BB962C8B-B14F-4D97-AF65-F5344CB8AC3E}">
+        <p14:creationId xmlns:p14="http://schemas.microsoft.com/office/powerpoint/2010/main" val="4289514552"/>
+      </p:ext>
+    </p:extLst>
+  </p:cSld>
+  <p:clrMapOvr>
+    <a:masterClrMapping/>
+  </p:clrMapOvr>
+</p:sld>
+</file>
+
+<file path=ppt/slides/slide5.xml><?xml version="1.0" encoding="utf-8"?>
+<p:sld xmlns:a="http://schemas.openxmlformats.org/drawingml/2006/main" xmlns:r="http://schemas.openxmlformats.org/officeDocument/2006/relationships" xmlns:p="http://schemas.openxmlformats.org/presentationml/2006/main">
+  <p:cSld>
+    <p:bg>
+      <p:bgPr>
+        <a:solidFill>
+          <a:schemeClr val="bg1"/>
+        </a:solidFill>
+        <a:effectLst/>
+      </p:bgPr>
+    </p:bg>
+    <p:spTree>
+      <p:nvGrpSpPr>
+        <p:cNvPr id="1" name=""/>
+        <p:cNvGrpSpPr/>
+        <p:nvPr/>
+      </p:nvGrpSpPr>
+      <p:grpSpPr>
+        <a:xfrm>
+          <a:off x="0" y="0"/>
+          <a:ext cx="0" cy="0"/>
+          <a:chOff x="0" y="0"/>
+          <a:chExt cx="0" cy="0"/>
+        </a:xfrm>
+      </p:grpSpPr>
+      <p:sp>
+        <p:nvSpPr>
+          <p:cNvPr id="25" name="Rectangle 24">
+            <a:extLst>
+              <a:ext uri="{FF2B5EF4-FFF2-40B4-BE49-F238E27FC236}">
+                <a16:creationId xmlns:a16="http://schemas.microsoft.com/office/drawing/2014/main" id="{81AEB8A9-B768-4E30-BA55-D919E6687343}"/>
+              </a:ext>
+              <a:ext uri="{C183D7F6-B498-43B3-948B-1728B52AA6E4}">
+                <adec:decorative xmlns:adec="http://schemas.microsoft.com/office/drawing/2017/decorative" val="1"/>
+              </a:ext>
+            </a:extLst>
+          </p:cNvPr>
+          <p:cNvSpPr>
+            <a:spLocks noGrp="1" noRot="1" noChangeAspect="1" noMove="1" noResize="1" noEditPoints="1" noAdjustHandles="1" noChangeArrowheads="1" noChangeShapeType="1" noTextEdit="1"/>
+          </p:cNvSpPr>
+          <p:nvPr>
+            <p:extLst>
+              <p:ext uri="{386F3935-93C4-4BCD-93E2-E3B085C9AB24}">
+                <p16:designElem xmlns:p16="http://schemas.microsoft.com/office/powerpoint/2015/main" val="1"/>
+              </p:ext>
+            </p:extLst>
+          </p:nvPr>
+        </p:nvSpPr>
+        <p:spPr>
+          <a:xfrm>
+            <a:off x="-10001" y="-2"/>
+            <a:ext cx="4069936" cy="6858002"/>
+          </a:xfrm>
+          <a:prstGeom prst="rect">
+            <a:avLst/>
+          </a:prstGeom>
+          <a:solidFill>
+            <a:schemeClr val="accent1"/>
+          </a:solidFill>
+          <a:ln>
+            <a:noFill/>
+          </a:ln>
+        </p:spPr>
+        <p:style>
+          <a:lnRef idx="2">
+            <a:schemeClr val="accent1">
+              <a:shade val="50000"/>
+            </a:schemeClr>
+          </a:lnRef>
+          <a:fillRef idx="1">
+            <a:schemeClr val="accent1"/>
+          </a:fillRef>
+          <a:effectRef idx="0">
+            <a:schemeClr val="accent1"/>
+          </a:effectRef>
+          <a:fontRef idx="minor">
+            <a:schemeClr val="lt1"/>
+          </a:fontRef>
+        </p:style>
+        <p:txBody>
+          <a:bodyPr rtlCol="0" anchor="ctr"/>
+          <a:lstStyle/>
+          <a:p>
+            <a:pPr marL="0" marR="0" lvl="0" indent="0" algn="ctr" defTabSz="914400" rtl="0" eaLnBrk="1" fontAlgn="auto" latinLnBrk="0" hangingPunct="1">
+              <a:lnSpc>
+                <a:spcPct val="100000"/>
+              </a:lnSpc>
+              <a:spcBef>
+                <a:spcPts val="0"/>
+              </a:spcBef>
+              <a:spcAft>
+                <a:spcPts val="0"/>
+              </a:spcAft>
+              <a:buClrTx/>
+              <a:buSzTx/>
+              <a:buFontTx/>
+              <a:buNone/>
+              <a:tabLst/>
+              <a:defRPr/>
+            </a:pPr>
+            <a:endParaRPr kumimoji="0" lang="en-US" sz="1800" b="0" i="0" u="none" strike="noStrike" kern="1200" cap="none" spc="0" normalizeH="0" baseline="0" noProof="0">
+              <a:ln>
+                <a:noFill/>
+              </a:ln>
+              <a:solidFill>
+                <a:prstClr val="white"/>
+              </a:solidFill>
+              <a:effectLst/>
+              <a:uLnTx/>
+              <a:uFillTx/>
+              <a:latin typeface="Calibri" panose="020F0502020204030204"/>
+              <a:ea typeface="+mn-ea"/>
+              <a:cs typeface="+mn-cs"/>
+            </a:endParaRPr>
+          </a:p>
+        </p:txBody>
+      </p:sp>
+      <p:sp>
+        <p:nvSpPr>
+          <p:cNvPr id="2" name="Title 1">
+            <a:extLst>
+              <a:ext uri="{FF2B5EF4-FFF2-40B4-BE49-F238E27FC236}">
+                <a16:creationId xmlns:a16="http://schemas.microsoft.com/office/drawing/2014/main" id="{E1A02F0D-A23B-0E40-A788-AE71D66D943E}"/>
+              </a:ext>
+            </a:extLst>
+          </p:cNvPr>
+          <p:cNvSpPr>
+            <a:spLocks noGrp="1"/>
+          </p:cNvSpPr>
+          <p:nvPr>
+            <p:ph type="title"/>
+          </p:nvPr>
+        </p:nvSpPr>
+        <p:spPr>
+          <a:xfrm>
+            <a:off x="643467" y="640080"/>
+            <a:ext cx="3096427" cy="5613236"/>
+          </a:xfrm>
+          <a:prstGeom prst="ellipse">
+            <a:avLst/>
+          </a:prstGeom>
+        </p:spPr>
+        <p:txBody>
+          <a:bodyPr vert="horz" lIns="91440" tIns="45720" rIns="91440" bIns="45720" rtlCol="0" anchor="ctr">
+            <a:normAutofit/>
+          </a:bodyPr>
+          <a:lstStyle/>
+          <a:p>
+            <a:r>
+              <a:rPr lang="en-US" kern="1200">
+                <a:solidFill>
+                  <a:srgbClr val="FFFFFF"/>
+                </a:solidFill>
+                <a:latin typeface="+mj-lt"/>
+                <a:ea typeface="+mj-ea"/>
+                <a:cs typeface="+mj-cs"/>
+              </a:rPr>
+              <a:t>What is amin function</a:t>
+            </a:r>
+          </a:p>
+        </p:txBody>
+      </p:sp>
+      <p:sp>
+        <p:nvSpPr>
+          <p:cNvPr id="10" name="Content Placeholder 9">
+            <a:extLst>
+              <a:ext uri="{FF2B5EF4-FFF2-40B4-BE49-F238E27FC236}">
+                <a16:creationId xmlns:a16="http://schemas.microsoft.com/office/drawing/2014/main" id="{95BCFDFF-95BC-D747-9D71-B3F3A6B23819}"/>
+              </a:ext>
+            </a:extLst>
+          </p:cNvPr>
+          <p:cNvSpPr>
+            <a:spLocks noGrp="1"/>
+          </p:cNvSpPr>
+          <p:nvPr>
+            <p:ph idx="1"/>
+          </p:nvPr>
+        </p:nvSpPr>
+        <p:spPr>
+          <a:xfrm>
+            <a:off x="4699818" y="640082"/>
+            <a:ext cx="6848715" cy="2484884"/>
+          </a:xfrm>
+        </p:spPr>
+        <p:txBody>
+          <a:bodyPr anchor="ctr">
+            <a:normAutofit/>
+          </a:bodyPr>
+          <a:lstStyle/>
+          <a:p>
+            <a:pPr marL="0" indent="0">
+              <a:buNone/>
+            </a:pPr>
+            <a:endParaRPr lang="en-US" sz="2000">
+              <a:highlight>
+                <a:srgbClr val="FFFF00"/>
+              </a:highlight>
+            </a:endParaRPr>
+          </a:p>
+          <a:p>
+            <a:pPr marL="0" indent="0">
+              <a:buNone/>
+            </a:pPr>
+            <a:endParaRPr lang="en-US" sz="2000">
+              <a:highlight>
+                <a:srgbClr val="FFFF00"/>
+              </a:highlight>
+            </a:endParaRPr>
+          </a:p>
+          <a:p>
+            <a:pPr marL="0" indent="0">
+              <a:buNone/>
+            </a:pPr>
+            <a:endParaRPr lang="en-US" sz="2000">
+              <a:highlight>
+                <a:srgbClr val="FFFF00"/>
+              </a:highlight>
+            </a:endParaRPr>
+          </a:p>
+        </p:txBody>
+      </p:sp>
+      <p:sp>
+        <p:nvSpPr>
+          <p:cNvPr id="4" name="Date Placeholder 3">
+            <a:extLst>
+              <a:ext uri="{FF2B5EF4-FFF2-40B4-BE49-F238E27FC236}">
+                <a16:creationId xmlns:a16="http://schemas.microsoft.com/office/drawing/2014/main" id="{E0B8CDB3-DF52-BD40-835E-53C2C836C174}"/>
+              </a:ext>
+            </a:extLst>
+          </p:cNvPr>
+          <p:cNvSpPr>
+            <a:spLocks noGrp="1"/>
+          </p:cNvSpPr>
+          <p:nvPr>
+            <p:ph type="dt" sz="half" idx="10"/>
+          </p:nvPr>
+        </p:nvSpPr>
+        <p:spPr>
+          <a:xfrm>
+            <a:off x="643467" y="6356350"/>
+            <a:ext cx="2937933" cy="365125"/>
+          </a:xfrm>
+        </p:spPr>
+        <p:txBody>
+          <a:bodyPr vert="horz" lIns="91440" tIns="45720" rIns="91440" bIns="45720" rtlCol="0">
+            <a:normAutofit/>
+          </a:bodyPr>
+          <a:lstStyle/>
+          <a:p>
+            <a:pPr>
+              <a:spcAft>
+                <a:spcPts val="600"/>
+              </a:spcAft>
+            </a:pPr>
+            <a:fld id="{85A80B37-905A-A743-A91C-A605D6B805A7}" type="datetime1">
+              <a:rPr lang="en-US">
+                <a:solidFill>
+                  <a:srgbClr val="FFFFFF">
+                    <a:alpha val="80000"/>
+                  </a:srgbClr>
+                </a:solidFill>
+              </a:rPr>
+              <a:pPr>
+                <a:spcAft>
+                  <a:spcPts val="600"/>
+                </a:spcAft>
+              </a:pPr>
+              <a:t>5/31/20</a:t>
+            </a:fld>
+            <a:endParaRPr lang="en-US">
+              <a:solidFill>
+                <a:srgbClr val="FFFFFF">
+                  <a:alpha val="80000"/>
+                </a:srgbClr>
+              </a:solidFill>
+            </a:endParaRPr>
+          </a:p>
+        </p:txBody>
+      </p:sp>
+      <p:sp>
+        <p:nvSpPr>
+          <p:cNvPr id="5" name="Footer Placeholder 4">
+            <a:extLst>
+              <a:ext uri="{FF2B5EF4-FFF2-40B4-BE49-F238E27FC236}">
+                <a16:creationId xmlns:a16="http://schemas.microsoft.com/office/drawing/2014/main" id="{AAA79E73-7D28-9B47-B2DD-090D9A3943A1}"/>
+              </a:ext>
+            </a:extLst>
+          </p:cNvPr>
+          <p:cNvSpPr>
+            <a:spLocks noGrp="1"/>
+          </p:cNvSpPr>
+          <p:nvPr>
+            <p:ph type="ftr" sz="quarter" idx="11"/>
+          </p:nvPr>
+        </p:nvSpPr>
+        <p:spPr>
+          <a:xfrm>
+            <a:off x="4654294" y="6356350"/>
+            <a:ext cx="5719488" cy="365125"/>
+          </a:xfrm>
+        </p:spPr>
+        <p:txBody>
+          <a:bodyPr vert="horz" lIns="91440" tIns="45720" rIns="91440" bIns="45720" rtlCol="0">
+            <a:normAutofit/>
+          </a:bodyPr>
+          <a:lstStyle/>
+          <a:p>
+            <a:pPr algn="l">
+              <a:spcAft>
+                <a:spcPts val="600"/>
+              </a:spcAft>
+            </a:pPr>
+            <a:r>
+              <a:rPr lang="en-US" kern="1200">
+                <a:solidFill>
+                  <a:prstClr val="black">
+                    <a:tint val="75000"/>
+                  </a:prstClr>
+                </a:solidFill>
+                <a:latin typeface="+mn-lt"/>
+                <a:ea typeface="+mn-ea"/>
+                <a:cs typeface="+mn-cs"/>
+              </a:rPr>
+              <a:t>TOTAL TECHNOLOGY </a:t>
+            </a:r>
+          </a:p>
+        </p:txBody>
+      </p:sp>
+      <p:sp>
+        <p:nvSpPr>
+          <p:cNvPr id="6" name="Slide Number Placeholder 5">
+            <a:extLst>
+              <a:ext uri="{FF2B5EF4-FFF2-40B4-BE49-F238E27FC236}">
+                <a16:creationId xmlns:a16="http://schemas.microsoft.com/office/drawing/2014/main" id="{8B83974F-3AC1-E441-93ED-47920D256F14}"/>
+              </a:ext>
+            </a:extLst>
+          </p:cNvPr>
+          <p:cNvSpPr>
+            <a:spLocks noGrp="1"/>
+          </p:cNvSpPr>
+          <p:nvPr>
+            <p:ph type="sldNum" sz="quarter" idx="12"/>
+          </p:nvPr>
+        </p:nvSpPr>
+        <p:spPr>
+          <a:xfrm>
+            <a:off x="10534650" y="6356350"/>
+            <a:ext cx="819150" cy="365125"/>
+          </a:xfrm>
+        </p:spPr>
+        <p:txBody>
+          <a:bodyPr vert="horz" lIns="91440" tIns="45720" rIns="91440" bIns="45720" rtlCol="0">
+            <a:normAutofit/>
+          </a:bodyPr>
+          <a:lstStyle/>
+          <a:p>
+            <a:pPr>
+              <a:spcAft>
+                <a:spcPts val="600"/>
+              </a:spcAft>
+            </a:pPr>
+            <a:fld id="{3276C40E-97DB-2248-A55E-B7EA991DACFB}" type="slidenum">
+              <a:rPr lang="en-US">
+                <a:solidFill>
+                  <a:prstClr val="black">
+                    <a:tint val="75000"/>
+                  </a:prstClr>
+                </a:solidFill>
+              </a:rPr>
+              <a:pPr>
+                <a:spcAft>
+                  <a:spcPts val="600"/>
+                </a:spcAft>
+              </a:pPr>
+              <a:t>5</a:t>
+            </a:fld>
+            <a:endParaRPr lang="en-US">
+              <a:solidFill>
+                <a:prstClr val="black">
+                  <a:tint val="75000"/>
+                </a:prstClr>
+              </a:solidFill>
+            </a:endParaRPr>
+          </a:p>
+        </p:txBody>
+      </p:sp>
+      <p:sp>
+        <p:nvSpPr>
+          <p:cNvPr id="3" name="TextBox 2">
+            <a:extLst>
+              <a:ext uri="{FF2B5EF4-FFF2-40B4-BE49-F238E27FC236}">
+                <a16:creationId xmlns:a16="http://schemas.microsoft.com/office/drawing/2014/main" id="{21514184-2560-E445-9874-E14CD425E458}"/>
+              </a:ext>
+            </a:extLst>
+          </p:cNvPr>
+          <p:cNvSpPr txBox="1"/>
+          <p:nvPr/>
+        </p:nvSpPr>
+        <p:spPr>
+          <a:xfrm>
+            <a:off x="5017477" y="1019909"/>
+            <a:ext cx="5729069" cy="369332"/>
+          </a:xfrm>
+          <a:prstGeom prst="rect">
+            <a:avLst/>
+          </a:prstGeom>
+          <a:noFill/>
+        </p:spPr>
+        <p:txBody>
+          <a:bodyPr wrap="none" rtlCol="0">
+            <a:spAutoFit/>
+          </a:bodyPr>
+          <a:lstStyle/>
+          <a:p>
+            <a:r>
+              <a:rPr lang="en-GB">
+                <a:highlight>
+                  <a:srgbClr val="FFFF00"/>
+                </a:highlight>
+              </a:rPr>
+              <a:t>Return the minimum of an array or minimum along an axis.</a:t>
+            </a:r>
+            <a:endParaRPr lang="en-DE">
+              <a:highlight>
+                <a:srgbClr val="FFFF00"/>
+              </a:highlight>
+            </a:endParaRPr>
+          </a:p>
+        </p:txBody>
+      </p:sp>
+    </p:spTree>
+    <p:extLst>
+      <p:ext uri="{BB962C8B-B14F-4D97-AF65-F5344CB8AC3E}">
+        <p14:creationId xmlns:p14="http://schemas.microsoft.com/office/powerpoint/2010/main" val="4054615680"/>
+      </p:ext>
+    </p:extLst>
+  </p:cSld>
+  <p:clrMapOvr>
+    <a:masterClrMapping/>
+  </p:clrMapOvr>
+</p:sld>
+</file>
+
+<file path=ppt/slides/slide6.xml><?xml version="1.0" encoding="utf-8"?>
+<p:sld xmlns:a="http://schemas.openxmlformats.org/drawingml/2006/main" xmlns:r="http://schemas.openxmlformats.org/officeDocument/2006/relationships" xmlns:p="http://schemas.openxmlformats.org/presentationml/2006/main">
+  <p:cSld>
+    <p:bg>
+      <p:bgPr>
+        <a:solidFill>
+          <a:schemeClr val="bg1"/>
+        </a:solidFill>
+        <a:effectLst/>
+      </p:bgPr>
+    </p:bg>
+    <p:spTree>
+      <p:nvGrpSpPr>
+        <p:cNvPr id="1" name=""/>
+        <p:cNvGrpSpPr/>
+        <p:nvPr/>
+      </p:nvGrpSpPr>
+      <p:grpSpPr>
+        <a:xfrm>
+          <a:off x="0" y="0"/>
+          <a:ext cx="0" cy="0"/>
+          <a:chOff x="0" y="0"/>
+          <a:chExt cx="0" cy="0"/>
+        </a:xfrm>
+      </p:grpSpPr>
+      <p:sp>
+        <p:nvSpPr>
+          <p:cNvPr id="25" name="Rectangle 24">
+            <a:extLst>
+              <a:ext uri="{FF2B5EF4-FFF2-40B4-BE49-F238E27FC236}">
+                <a16:creationId xmlns:a16="http://schemas.microsoft.com/office/drawing/2014/main" id="{81AEB8A9-B768-4E30-BA55-D919E6687343}"/>
+              </a:ext>
+              <a:ext uri="{C183D7F6-B498-43B3-948B-1728B52AA6E4}">
+                <adec:decorative xmlns:adec="http://schemas.microsoft.com/office/drawing/2017/decorative" val="1"/>
+              </a:ext>
+            </a:extLst>
+          </p:cNvPr>
+          <p:cNvSpPr>
+            <a:spLocks noGrp="1" noRot="1" noChangeAspect="1" noMove="1" noResize="1" noEditPoints="1" noAdjustHandles="1" noChangeArrowheads="1" noChangeShapeType="1" noTextEdit="1"/>
+          </p:cNvSpPr>
+          <p:nvPr>
+            <p:extLst>
+              <p:ext uri="{386F3935-93C4-4BCD-93E2-E3B085C9AB24}">
+                <p16:designElem xmlns:p16="http://schemas.microsoft.com/office/powerpoint/2015/main" val="1"/>
+              </p:ext>
+            </p:extLst>
+          </p:nvPr>
+        </p:nvSpPr>
+        <p:spPr>
+          <a:xfrm>
+            <a:off x="-10001" y="-2"/>
+            <a:ext cx="4069936" cy="6858002"/>
+          </a:xfrm>
+          <a:prstGeom prst="rect">
+            <a:avLst/>
+          </a:prstGeom>
+          <a:solidFill>
+            <a:schemeClr val="accent1"/>
+          </a:solidFill>
+          <a:ln>
+            <a:noFill/>
+          </a:ln>
+        </p:spPr>
+        <p:style>
+          <a:lnRef idx="2">
+            <a:schemeClr val="accent1">
+              <a:shade val="50000"/>
+            </a:schemeClr>
+          </a:lnRef>
+          <a:fillRef idx="1">
+            <a:schemeClr val="accent1"/>
+          </a:fillRef>
+          <a:effectRef idx="0">
+            <a:schemeClr val="accent1"/>
+          </a:effectRef>
+          <a:fontRef idx="minor">
+            <a:schemeClr val="lt1"/>
+          </a:fontRef>
+        </p:style>
+        <p:txBody>
+          <a:bodyPr rtlCol="0" anchor="ctr"/>
+          <a:lstStyle/>
+          <a:p>
+            <a:pPr marL="0" marR="0" lvl="0" indent="0" algn="ctr" defTabSz="914400" rtl="0" eaLnBrk="1" fontAlgn="auto" latinLnBrk="0" hangingPunct="1">
+              <a:lnSpc>
+                <a:spcPct val="100000"/>
+              </a:lnSpc>
+              <a:spcBef>
+                <a:spcPts val="0"/>
+              </a:spcBef>
+              <a:spcAft>
+                <a:spcPts val="0"/>
+              </a:spcAft>
+              <a:buClrTx/>
+              <a:buSzTx/>
+              <a:buFontTx/>
+              <a:buNone/>
+              <a:tabLst/>
+              <a:defRPr/>
+            </a:pPr>
+            <a:endParaRPr kumimoji="0" lang="en-US" sz="1800" b="0" i="0" u="none" strike="noStrike" kern="1200" cap="none" spc="0" normalizeH="0" baseline="0" noProof="0">
+              <a:ln>
+                <a:noFill/>
+              </a:ln>
+              <a:solidFill>
+                <a:prstClr val="white"/>
+              </a:solidFill>
+              <a:effectLst/>
+              <a:uLnTx/>
+              <a:uFillTx/>
+              <a:latin typeface="Calibri" panose="020F0502020204030204"/>
+              <a:ea typeface="+mn-ea"/>
+              <a:cs typeface="+mn-cs"/>
+            </a:endParaRPr>
+          </a:p>
+        </p:txBody>
+      </p:sp>
+      <p:sp>
+        <p:nvSpPr>
+          <p:cNvPr id="2" name="Title 1">
+            <a:extLst>
+              <a:ext uri="{FF2B5EF4-FFF2-40B4-BE49-F238E27FC236}">
+                <a16:creationId xmlns:a16="http://schemas.microsoft.com/office/drawing/2014/main" id="{E1A02F0D-A23B-0E40-A788-AE71D66D943E}"/>
+              </a:ext>
+            </a:extLst>
+          </p:cNvPr>
+          <p:cNvSpPr>
+            <a:spLocks noGrp="1"/>
+          </p:cNvSpPr>
+          <p:nvPr>
+            <p:ph type="title"/>
+          </p:nvPr>
+        </p:nvSpPr>
+        <p:spPr>
+          <a:xfrm>
+            <a:off x="643467" y="640080"/>
+            <a:ext cx="3096427" cy="5613236"/>
+          </a:xfrm>
+          <a:prstGeom prst="ellipse">
+            <a:avLst/>
+          </a:prstGeom>
+        </p:spPr>
+        <p:txBody>
+          <a:bodyPr vert="horz" lIns="91440" tIns="45720" rIns="91440" bIns="45720" rtlCol="0" anchor="ctr">
+            <a:normAutofit/>
+          </a:bodyPr>
+          <a:lstStyle/>
+          <a:p>
+            <a:r>
+              <a:rPr lang="en-US" kern="1200">
+                <a:solidFill>
+                  <a:srgbClr val="FFFFFF"/>
+                </a:solidFill>
+                <a:latin typeface="+mj-lt"/>
+                <a:ea typeface="+mj-ea"/>
+                <a:cs typeface="+mj-cs"/>
+              </a:rPr>
+              <a:t>Exercise 1</a:t>
+            </a:r>
+            <a:br>
+              <a:rPr lang="en-US" kern="1200">
+                <a:solidFill>
+                  <a:srgbClr val="FFFFFF"/>
+                </a:solidFill>
+                <a:latin typeface="+mj-lt"/>
+                <a:ea typeface="+mj-ea"/>
+                <a:cs typeface="+mj-cs"/>
+              </a:rPr>
+            </a:br>
+            <a:endParaRPr lang="en-US" kern="1200">
+              <a:solidFill>
+                <a:srgbClr val="FFFFFF"/>
+              </a:solidFill>
+              <a:latin typeface="+mj-lt"/>
+              <a:ea typeface="+mj-ea"/>
+              <a:cs typeface="+mj-cs"/>
+            </a:endParaRPr>
+          </a:p>
+        </p:txBody>
+      </p:sp>
+      <p:sp>
+        <p:nvSpPr>
+          <p:cNvPr id="10" name="Content Placeholder 9">
+            <a:extLst>
+              <a:ext uri="{FF2B5EF4-FFF2-40B4-BE49-F238E27FC236}">
+                <a16:creationId xmlns:a16="http://schemas.microsoft.com/office/drawing/2014/main" id="{95BCFDFF-95BC-D747-9D71-B3F3A6B23819}"/>
+              </a:ext>
+            </a:extLst>
+          </p:cNvPr>
+          <p:cNvSpPr>
+            <a:spLocks noGrp="1"/>
+          </p:cNvSpPr>
+          <p:nvPr>
+            <p:ph idx="1"/>
+          </p:nvPr>
+        </p:nvSpPr>
+        <p:spPr>
+          <a:xfrm>
+            <a:off x="4699818" y="640082"/>
+            <a:ext cx="6848715" cy="2484884"/>
+          </a:xfrm>
+        </p:spPr>
+        <p:txBody>
+          <a:bodyPr anchor="ctr">
+            <a:normAutofit/>
+          </a:bodyPr>
+          <a:lstStyle/>
+          <a:p>
+            <a:pPr marL="0" indent="0">
+              <a:buNone/>
+            </a:pPr>
+            <a:r>
+              <a:rPr lang="en-US" sz="2000"/>
+              <a:t>#amin</a:t>
+            </a:r>
+          </a:p>
+          <a:p>
+            <a:pPr marL="0" indent="0">
+              <a:buNone/>
+            </a:pPr>
+            <a:r>
+              <a:rPr lang="en-US" sz="2000"/>
+              <a:t>#on 1 d array</a:t>
+            </a:r>
+          </a:p>
+          <a:p>
+            <a:pPr marL="0" indent="0">
+              <a:buNone/>
+            </a:pPr>
+            <a:r>
+              <a:rPr lang="en-US" sz="2000"/>
+              <a:t>a=np.arange(10,50)</a:t>
+            </a:r>
+          </a:p>
+          <a:p>
+            <a:pPr marL="0" indent="0">
+              <a:buNone/>
+            </a:pPr>
+            <a:r>
+              <a:rPr lang="en-US" sz="2000"/>
+              <a:t>np.min(a)</a:t>
+            </a:r>
+            <a:endParaRPr lang="en-US" sz="2000">
+              <a:highlight>
+                <a:srgbClr val="FFFF00"/>
+              </a:highlight>
+            </a:endParaRPr>
+          </a:p>
+          <a:p>
+            <a:pPr marL="0" indent="0">
+              <a:buNone/>
+            </a:pPr>
+            <a:endParaRPr lang="en-US" sz="2000">
+              <a:highlight>
+                <a:srgbClr val="FFFF00"/>
+              </a:highlight>
+            </a:endParaRPr>
+          </a:p>
+        </p:txBody>
+      </p:sp>
+      <p:sp>
+        <p:nvSpPr>
+          <p:cNvPr id="4" name="Date Placeholder 3">
+            <a:extLst>
+              <a:ext uri="{FF2B5EF4-FFF2-40B4-BE49-F238E27FC236}">
+                <a16:creationId xmlns:a16="http://schemas.microsoft.com/office/drawing/2014/main" id="{E0B8CDB3-DF52-BD40-835E-53C2C836C174}"/>
+              </a:ext>
+            </a:extLst>
+          </p:cNvPr>
+          <p:cNvSpPr>
+            <a:spLocks noGrp="1"/>
+          </p:cNvSpPr>
+          <p:nvPr>
+            <p:ph type="dt" sz="half" idx="10"/>
+          </p:nvPr>
+        </p:nvSpPr>
+        <p:spPr>
+          <a:xfrm>
+            <a:off x="643467" y="6356350"/>
+            <a:ext cx="2937933" cy="365125"/>
+          </a:xfrm>
+        </p:spPr>
+        <p:txBody>
+          <a:bodyPr vert="horz" lIns="91440" tIns="45720" rIns="91440" bIns="45720" rtlCol="0">
+            <a:normAutofit/>
+          </a:bodyPr>
+          <a:lstStyle/>
+          <a:p>
+            <a:pPr>
+              <a:spcAft>
+                <a:spcPts val="600"/>
+              </a:spcAft>
+            </a:pPr>
+            <a:fld id="{85A80B37-905A-A743-A91C-A605D6B805A7}" type="datetime1">
+              <a:rPr lang="en-US">
+                <a:solidFill>
+                  <a:srgbClr val="FFFFFF">
+                    <a:alpha val="80000"/>
+                  </a:srgbClr>
+                </a:solidFill>
+              </a:rPr>
+              <a:pPr>
+                <a:spcAft>
+                  <a:spcPts val="600"/>
+                </a:spcAft>
+              </a:pPr>
+              <a:t>5/31/20</a:t>
+            </a:fld>
+            <a:endParaRPr lang="en-US">
+              <a:solidFill>
+                <a:srgbClr val="FFFFFF">
+                  <a:alpha val="80000"/>
+                </a:srgbClr>
+              </a:solidFill>
+            </a:endParaRPr>
+          </a:p>
+        </p:txBody>
+      </p:sp>
+      <p:sp>
+        <p:nvSpPr>
+          <p:cNvPr id="5" name="Footer Placeholder 4">
+            <a:extLst>
+              <a:ext uri="{FF2B5EF4-FFF2-40B4-BE49-F238E27FC236}">
+                <a16:creationId xmlns:a16="http://schemas.microsoft.com/office/drawing/2014/main" id="{AAA79E73-7D28-9B47-B2DD-090D9A3943A1}"/>
+              </a:ext>
+            </a:extLst>
+          </p:cNvPr>
+          <p:cNvSpPr>
+            <a:spLocks noGrp="1"/>
+          </p:cNvSpPr>
+          <p:nvPr>
+            <p:ph type="ftr" sz="quarter" idx="11"/>
+          </p:nvPr>
+        </p:nvSpPr>
+        <p:spPr>
+          <a:xfrm>
+            <a:off x="4654294" y="6356350"/>
+            <a:ext cx="5719488" cy="365125"/>
+          </a:xfrm>
+        </p:spPr>
+        <p:txBody>
+          <a:bodyPr vert="horz" lIns="91440" tIns="45720" rIns="91440" bIns="45720" rtlCol="0">
+            <a:normAutofit/>
+          </a:bodyPr>
+          <a:lstStyle/>
+          <a:p>
+            <a:pPr algn="l">
+              <a:spcAft>
+                <a:spcPts val="600"/>
+              </a:spcAft>
+            </a:pPr>
+            <a:r>
+              <a:rPr lang="en-US" kern="1200">
+                <a:solidFill>
+                  <a:prstClr val="black">
+                    <a:tint val="75000"/>
+                  </a:prstClr>
+                </a:solidFill>
+                <a:latin typeface="+mn-lt"/>
+                <a:ea typeface="+mn-ea"/>
+                <a:cs typeface="+mn-cs"/>
+              </a:rPr>
+              <a:t>TOTAL TECHNOLOGY </a:t>
+            </a:r>
+          </a:p>
+        </p:txBody>
+      </p:sp>
+      <p:sp>
+        <p:nvSpPr>
+          <p:cNvPr id="6" name="Slide Number Placeholder 5">
+            <a:extLst>
+              <a:ext uri="{FF2B5EF4-FFF2-40B4-BE49-F238E27FC236}">
+                <a16:creationId xmlns:a16="http://schemas.microsoft.com/office/drawing/2014/main" id="{8B83974F-3AC1-E441-93ED-47920D256F14}"/>
+              </a:ext>
+            </a:extLst>
+          </p:cNvPr>
+          <p:cNvSpPr>
+            <a:spLocks noGrp="1"/>
+          </p:cNvSpPr>
+          <p:nvPr>
+            <p:ph type="sldNum" sz="quarter" idx="12"/>
+          </p:nvPr>
+        </p:nvSpPr>
+        <p:spPr>
+          <a:xfrm>
+            <a:off x="10534650" y="6356350"/>
+            <a:ext cx="819150" cy="365125"/>
+          </a:xfrm>
+        </p:spPr>
+        <p:txBody>
+          <a:bodyPr vert="horz" lIns="91440" tIns="45720" rIns="91440" bIns="45720" rtlCol="0">
+            <a:normAutofit/>
+          </a:bodyPr>
+          <a:lstStyle/>
+          <a:p>
+            <a:pPr>
+              <a:spcAft>
+                <a:spcPts val="600"/>
+              </a:spcAft>
+            </a:pPr>
+            <a:fld id="{3276C40E-97DB-2248-A55E-B7EA991DACFB}" type="slidenum">
+              <a:rPr lang="en-US">
+                <a:solidFill>
+                  <a:prstClr val="black">
+                    <a:tint val="75000"/>
+                  </a:prstClr>
+                </a:solidFill>
+              </a:rPr>
+              <a:pPr>
+                <a:spcAft>
+                  <a:spcPts val="600"/>
+                </a:spcAft>
+              </a:pPr>
+              <a:t>6</a:t>
+            </a:fld>
+            <a:endParaRPr lang="en-US">
+              <a:solidFill>
+                <a:prstClr val="black">
+                  <a:tint val="75000"/>
+                </a:prstClr>
+              </a:solidFill>
+            </a:endParaRPr>
+          </a:p>
+        </p:txBody>
+      </p:sp>
+    </p:spTree>
+    <p:extLst>
+      <p:ext uri="{BB962C8B-B14F-4D97-AF65-F5344CB8AC3E}">
+        <p14:creationId xmlns:p14="http://schemas.microsoft.com/office/powerpoint/2010/main" val="1103686106"/>
+      </p:ext>
+    </p:extLst>
+  </p:cSld>
+  <p:clrMapOvr>
+    <a:masterClrMapping/>
+  </p:clrMapOvr>
+</p:sld>
+</file>
+
+<file path=ppt/slides/slide7.xml><?xml version="1.0" encoding="utf-8"?>
+<p:sld xmlns:a="http://schemas.openxmlformats.org/drawingml/2006/main" xmlns:r="http://schemas.openxmlformats.org/officeDocument/2006/relationships" xmlns:p="http://schemas.openxmlformats.org/presentationml/2006/main">
+  <p:cSld>
+    <p:bg>
+      <p:bgPr>
+        <a:solidFill>
+          <a:schemeClr val="bg1"/>
+        </a:solidFill>
+        <a:effectLst/>
+      </p:bgPr>
+    </p:bg>
+    <p:spTree>
+      <p:nvGrpSpPr>
+        <p:cNvPr id="1" name=""/>
+        <p:cNvGrpSpPr/>
+        <p:nvPr/>
+      </p:nvGrpSpPr>
+      <p:grpSpPr>
+        <a:xfrm>
+          <a:off x="0" y="0"/>
+          <a:ext cx="0" cy="0"/>
+          <a:chOff x="0" y="0"/>
+          <a:chExt cx="0" cy="0"/>
+        </a:xfrm>
+      </p:grpSpPr>
+      <p:sp>
+        <p:nvSpPr>
+          <p:cNvPr id="25" name="Rectangle 24">
+            <a:extLst>
+              <a:ext uri="{FF2B5EF4-FFF2-40B4-BE49-F238E27FC236}">
+                <a16:creationId xmlns:a16="http://schemas.microsoft.com/office/drawing/2014/main" id="{81AEB8A9-B768-4E30-BA55-D919E6687343}"/>
+              </a:ext>
+              <a:ext uri="{C183D7F6-B498-43B3-948B-1728B52AA6E4}">
+                <adec:decorative xmlns:adec="http://schemas.microsoft.com/office/drawing/2017/decorative" val="1"/>
+              </a:ext>
+            </a:extLst>
+          </p:cNvPr>
+          <p:cNvSpPr>
+            <a:spLocks noGrp="1" noRot="1" noChangeAspect="1" noMove="1" noResize="1" noEditPoints="1" noAdjustHandles="1" noChangeArrowheads="1" noChangeShapeType="1" noTextEdit="1"/>
+          </p:cNvSpPr>
+          <p:nvPr>
+            <p:extLst>
+              <p:ext uri="{386F3935-93C4-4BCD-93E2-E3B085C9AB24}">
+                <p16:designElem xmlns:p16="http://schemas.microsoft.com/office/powerpoint/2015/main" val="1"/>
+              </p:ext>
+            </p:extLst>
+          </p:nvPr>
+        </p:nvSpPr>
+        <p:spPr>
+          <a:xfrm>
+            <a:off x="-10001" y="-2"/>
+            <a:ext cx="4069936" cy="6858002"/>
+          </a:xfrm>
+          <a:prstGeom prst="rect">
+            <a:avLst/>
+          </a:prstGeom>
+          <a:solidFill>
+            <a:schemeClr val="accent1"/>
+          </a:solidFill>
+          <a:ln>
+            <a:noFill/>
+          </a:ln>
+        </p:spPr>
+        <p:style>
+          <a:lnRef idx="2">
+            <a:schemeClr val="accent1">
+              <a:shade val="50000"/>
+            </a:schemeClr>
+          </a:lnRef>
+          <a:fillRef idx="1">
+            <a:schemeClr val="accent1"/>
+          </a:fillRef>
+          <a:effectRef idx="0">
+            <a:schemeClr val="accent1"/>
+          </a:effectRef>
+          <a:fontRef idx="minor">
+            <a:schemeClr val="lt1"/>
+          </a:fontRef>
+        </p:style>
+        <p:txBody>
+          <a:bodyPr rtlCol="0" anchor="ctr"/>
+          <a:lstStyle/>
+          <a:p>
+            <a:pPr marL="0" marR="0" lvl="0" indent="0" algn="ctr" defTabSz="914400" rtl="0" eaLnBrk="1" fontAlgn="auto" latinLnBrk="0" hangingPunct="1">
+              <a:lnSpc>
+                <a:spcPct val="100000"/>
+              </a:lnSpc>
+              <a:spcBef>
+                <a:spcPts val="0"/>
+              </a:spcBef>
+              <a:spcAft>
+                <a:spcPts val="0"/>
+              </a:spcAft>
+              <a:buClrTx/>
+              <a:buSzTx/>
+              <a:buFontTx/>
+              <a:buNone/>
+              <a:tabLst/>
+              <a:defRPr/>
+            </a:pPr>
+            <a:endParaRPr kumimoji="0" lang="en-US" sz="1800" b="0" i="0" u="none" strike="noStrike" kern="1200" cap="none" spc="0" normalizeH="0" baseline="0" noProof="0">
+              <a:ln>
+                <a:noFill/>
+              </a:ln>
+              <a:solidFill>
+                <a:prstClr val="white"/>
+              </a:solidFill>
+              <a:effectLst/>
+              <a:uLnTx/>
+              <a:uFillTx/>
+              <a:latin typeface="Calibri" panose="020F0502020204030204"/>
+              <a:ea typeface="+mn-ea"/>
+              <a:cs typeface="+mn-cs"/>
+            </a:endParaRPr>
+          </a:p>
+        </p:txBody>
+      </p:sp>
+      <p:sp>
+        <p:nvSpPr>
+          <p:cNvPr id="2" name="Title 1">
+            <a:extLst>
+              <a:ext uri="{FF2B5EF4-FFF2-40B4-BE49-F238E27FC236}">
+                <a16:creationId xmlns:a16="http://schemas.microsoft.com/office/drawing/2014/main" id="{E1A02F0D-A23B-0E40-A788-AE71D66D943E}"/>
+              </a:ext>
+            </a:extLst>
+          </p:cNvPr>
+          <p:cNvSpPr>
+            <a:spLocks noGrp="1"/>
+          </p:cNvSpPr>
+          <p:nvPr>
+            <p:ph type="title"/>
+          </p:nvPr>
+        </p:nvSpPr>
+        <p:spPr>
+          <a:xfrm>
+            <a:off x="643467" y="640080"/>
+            <a:ext cx="3096427" cy="5613236"/>
+          </a:xfrm>
+          <a:prstGeom prst="ellipse">
+            <a:avLst/>
+          </a:prstGeom>
+        </p:spPr>
+        <p:txBody>
+          <a:bodyPr vert="horz" lIns="91440" tIns="45720" rIns="91440" bIns="45720" rtlCol="0" anchor="ctr">
+            <a:normAutofit/>
+          </a:bodyPr>
+          <a:lstStyle/>
+          <a:p>
+            <a:r>
+              <a:rPr lang="en-US" kern="1200">
+                <a:solidFill>
+                  <a:srgbClr val="FFFFFF"/>
+                </a:solidFill>
+                <a:latin typeface="+mj-lt"/>
+                <a:ea typeface="+mj-ea"/>
+                <a:cs typeface="+mj-cs"/>
+              </a:rPr>
+              <a:t>Exercise 2</a:t>
+            </a:r>
+            <a:br>
+              <a:rPr lang="en-US" kern="1200">
+                <a:solidFill>
+                  <a:srgbClr val="FFFFFF"/>
+                </a:solidFill>
+                <a:latin typeface="+mj-lt"/>
+                <a:ea typeface="+mj-ea"/>
+                <a:cs typeface="+mj-cs"/>
+              </a:rPr>
+            </a:br>
+            <a:endParaRPr lang="en-US" kern="1200">
+              <a:solidFill>
+                <a:srgbClr val="FFFFFF"/>
+              </a:solidFill>
+              <a:latin typeface="+mj-lt"/>
+              <a:ea typeface="+mj-ea"/>
+              <a:cs typeface="+mj-cs"/>
+            </a:endParaRPr>
+          </a:p>
+        </p:txBody>
+      </p:sp>
+      <p:sp>
+        <p:nvSpPr>
+          <p:cNvPr id="10" name="Content Placeholder 9">
+            <a:extLst>
+              <a:ext uri="{FF2B5EF4-FFF2-40B4-BE49-F238E27FC236}">
+                <a16:creationId xmlns:a16="http://schemas.microsoft.com/office/drawing/2014/main" id="{95BCFDFF-95BC-D747-9D71-B3F3A6B23819}"/>
+              </a:ext>
+            </a:extLst>
+          </p:cNvPr>
+          <p:cNvSpPr>
+            <a:spLocks noGrp="1"/>
+          </p:cNvSpPr>
+          <p:nvPr>
+            <p:ph idx="1"/>
+          </p:nvPr>
+        </p:nvSpPr>
+        <p:spPr>
+          <a:xfrm>
+            <a:off x="4505085" y="258545"/>
+            <a:ext cx="6848715" cy="1488193"/>
+          </a:xfrm>
+        </p:spPr>
+        <p:txBody>
+          <a:bodyPr anchor="ctr">
+            <a:normAutofit/>
+          </a:bodyPr>
+          <a:lstStyle/>
+          <a:p>
+            <a:pPr marL="0" indent="0">
+              <a:buNone/>
+            </a:pPr>
+            <a:r>
+              <a:rPr lang="en-US" sz="2000"/>
+              <a:t>#amin</a:t>
+            </a:r>
+          </a:p>
+          <a:p>
+            <a:pPr marL="0" indent="0">
+              <a:buNone/>
+            </a:pPr>
+            <a:r>
+              <a:rPr lang="en-US" sz="2000"/>
+              <a:t>#on 2 d array</a:t>
+            </a:r>
+          </a:p>
+          <a:p>
+            <a:pPr marL="0" indent="0">
+              <a:buNone/>
+            </a:pPr>
+            <a:endParaRPr lang="en-US" sz="2000">
+              <a:highlight>
+                <a:srgbClr val="FFFF00"/>
+              </a:highlight>
+            </a:endParaRPr>
+          </a:p>
+        </p:txBody>
+      </p:sp>
+      <p:sp>
+        <p:nvSpPr>
+          <p:cNvPr id="4" name="Date Placeholder 3">
+            <a:extLst>
+              <a:ext uri="{FF2B5EF4-FFF2-40B4-BE49-F238E27FC236}">
+                <a16:creationId xmlns:a16="http://schemas.microsoft.com/office/drawing/2014/main" id="{E0B8CDB3-DF52-BD40-835E-53C2C836C174}"/>
+              </a:ext>
+            </a:extLst>
+          </p:cNvPr>
+          <p:cNvSpPr>
+            <a:spLocks noGrp="1"/>
+          </p:cNvSpPr>
+          <p:nvPr>
+            <p:ph type="dt" sz="half" idx="10"/>
+          </p:nvPr>
+        </p:nvSpPr>
+        <p:spPr>
+          <a:xfrm>
+            <a:off x="643467" y="6356350"/>
+            <a:ext cx="2937933" cy="365125"/>
+          </a:xfrm>
+        </p:spPr>
+        <p:txBody>
+          <a:bodyPr vert="horz" lIns="91440" tIns="45720" rIns="91440" bIns="45720" rtlCol="0">
+            <a:normAutofit/>
+          </a:bodyPr>
+          <a:lstStyle/>
+          <a:p>
+            <a:pPr>
+              <a:spcAft>
+                <a:spcPts val="600"/>
+              </a:spcAft>
+            </a:pPr>
+            <a:fld id="{85A80B37-905A-A743-A91C-A605D6B805A7}" type="datetime1">
+              <a:rPr lang="en-US">
+                <a:solidFill>
+                  <a:srgbClr val="FFFFFF">
+                    <a:alpha val="80000"/>
+                  </a:srgbClr>
+                </a:solidFill>
+              </a:rPr>
+              <a:pPr>
+                <a:spcAft>
+                  <a:spcPts val="600"/>
+                </a:spcAft>
+              </a:pPr>
+              <a:t>5/31/20</a:t>
+            </a:fld>
+            <a:endParaRPr lang="en-US">
+              <a:solidFill>
+                <a:srgbClr val="FFFFFF">
+                  <a:alpha val="80000"/>
+                </a:srgbClr>
+              </a:solidFill>
+            </a:endParaRPr>
+          </a:p>
+        </p:txBody>
+      </p:sp>
+      <p:sp>
+        <p:nvSpPr>
+          <p:cNvPr id="5" name="Footer Placeholder 4">
+            <a:extLst>
+              <a:ext uri="{FF2B5EF4-FFF2-40B4-BE49-F238E27FC236}">
+                <a16:creationId xmlns:a16="http://schemas.microsoft.com/office/drawing/2014/main" id="{AAA79E73-7D28-9B47-B2DD-090D9A3943A1}"/>
+              </a:ext>
+            </a:extLst>
+          </p:cNvPr>
+          <p:cNvSpPr>
+            <a:spLocks noGrp="1"/>
+          </p:cNvSpPr>
+          <p:nvPr>
+            <p:ph type="ftr" sz="quarter" idx="11"/>
+          </p:nvPr>
+        </p:nvSpPr>
+        <p:spPr>
+          <a:xfrm>
+            <a:off x="4654294" y="6356350"/>
+            <a:ext cx="5719488" cy="365125"/>
+          </a:xfrm>
+        </p:spPr>
+        <p:txBody>
+          <a:bodyPr vert="horz" lIns="91440" tIns="45720" rIns="91440" bIns="45720" rtlCol="0">
+            <a:normAutofit/>
+          </a:bodyPr>
+          <a:lstStyle/>
+          <a:p>
+            <a:pPr algn="l">
+              <a:spcAft>
+                <a:spcPts val="600"/>
+              </a:spcAft>
+            </a:pPr>
+            <a:r>
+              <a:rPr lang="en-US" kern="1200">
+                <a:solidFill>
+                  <a:prstClr val="black">
+                    <a:tint val="75000"/>
+                  </a:prstClr>
+                </a:solidFill>
+                <a:latin typeface="+mn-lt"/>
+                <a:ea typeface="+mn-ea"/>
+                <a:cs typeface="+mn-cs"/>
+              </a:rPr>
+              <a:t>TOTAL TECHNOLOGY </a:t>
+            </a:r>
+          </a:p>
+        </p:txBody>
+      </p:sp>
+      <p:sp>
+        <p:nvSpPr>
+          <p:cNvPr id="6" name="Slide Number Placeholder 5">
+            <a:extLst>
+              <a:ext uri="{FF2B5EF4-FFF2-40B4-BE49-F238E27FC236}">
+                <a16:creationId xmlns:a16="http://schemas.microsoft.com/office/drawing/2014/main" id="{8B83974F-3AC1-E441-93ED-47920D256F14}"/>
+              </a:ext>
+            </a:extLst>
+          </p:cNvPr>
+          <p:cNvSpPr>
+            <a:spLocks noGrp="1"/>
+          </p:cNvSpPr>
+          <p:nvPr>
+            <p:ph type="sldNum" sz="quarter" idx="12"/>
+          </p:nvPr>
+        </p:nvSpPr>
+        <p:spPr>
+          <a:xfrm>
+            <a:off x="10534650" y="6356350"/>
+            <a:ext cx="819150" cy="365125"/>
+          </a:xfrm>
+        </p:spPr>
+        <p:txBody>
+          <a:bodyPr vert="horz" lIns="91440" tIns="45720" rIns="91440" bIns="45720" rtlCol="0">
+            <a:normAutofit/>
+          </a:bodyPr>
+          <a:lstStyle/>
+          <a:p>
+            <a:pPr>
+              <a:spcAft>
+                <a:spcPts val="600"/>
+              </a:spcAft>
+            </a:pPr>
+            <a:fld id="{3276C40E-97DB-2248-A55E-B7EA991DACFB}" type="slidenum">
+              <a:rPr lang="en-US">
+                <a:solidFill>
+                  <a:prstClr val="black">
+                    <a:tint val="75000"/>
+                  </a:prstClr>
+                </a:solidFill>
+              </a:rPr>
+              <a:pPr>
+                <a:spcAft>
+                  <a:spcPts val="600"/>
+                </a:spcAft>
+              </a:pPr>
+              <a:t>7</a:t>
+            </a:fld>
+            <a:endParaRPr lang="en-US">
+              <a:solidFill>
+                <a:prstClr val="black">
+                  <a:tint val="75000"/>
+                </a:prstClr>
+              </a:solidFill>
+            </a:endParaRPr>
+          </a:p>
+        </p:txBody>
+      </p:sp>
+      <p:pic>
+        <p:nvPicPr>
+          <p:cNvPr id="7" name="Picture 6" descr="A screenshot of a social media post&#10;&#10;Description automatically generated">
+            <a:extLst>
+              <a:ext uri="{FF2B5EF4-FFF2-40B4-BE49-F238E27FC236}">
+                <a16:creationId xmlns:a16="http://schemas.microsoft.com/office/drawing/2014/main" id="{15C3B3B2-90C2-C445-8B84-1C88A0A0C6DF}"/>
+              </a:ext>
+            </a:extLst>
+          </p:cNvPr>
+          <p:cNvPicPr>
+            <a:picLocks noChangeAspect="1"/>
+          </p:cNvPicPr>
+          <p:nvPr/>
+        </p:nvPicPr>
+        <p:blipFill>
+          <a:blip r:embed="rId2"/>
+          <a:stretch>
+            <a:fillRect/>
+          </a:stretch>
+        </p:blipFill>
+        <p:spPr>
+          <a:xfrm>
+            <a:off x="4988559" y="1746738"/>
+            <a:ext cx="6365241" cy="4518924"/>
+          </a:xfrm>
+          <a:prstGeom prst="rect">
+            <a:avLst/>
+          </a:prstGeom>
+        </p:spPr>
+      </p:pic>
+    </p:spTree>
+    <p:extLst>
+      <p:ext uri="{BB962C8B-B14F-4D97-AF65-F5344CB8AC3E}">
+        <p14:creationId xmlns:p14="http://schemas.microsoft.com/office/powerpoint/2010/main" val="2652765526"/>
       </p:ext>
     </p:extLst>
   </p:cSld>
